--- a/make_presentation/templates/templates/style/start.pptx
+++ b/make_presentation/templates/templates/style/start.pptx
@@ -63,7 +63,7 @@
         <p:txBody>
           <a:bodyPr/>
           <a:p>
-            <a:fld id="{4782EAD0-E5C1-4913-84FC-19E8B7AC4236}" type="slidenum">
+            <a:fld id="{E4FCE229-8A33-42AA-8917-EAD5EDE149B3}" type="slidenum">
               <a:t>&lt;#&gt;</a:t>
             </a:fld>
           </a:p>
@@ -251,7 +251,7 @@
         <p:txBody>
           <a:bodyPr/>
           <a:p>
-            <a:fld id="{2A48B19F-86FC-4882-87FF-D91F6D8E4241}" type="slidenum">
+            <a:fld id="{5B0AE6EB-D33F-4544-B0A0-180E12C95DD5}" type="slidenum">
               <a:t>&lt;#&gt;</a:t>
             </a:fld>
           </a:p>
@@ -507,7 +507,7 @@
         <p:txBody>
           <a:bodyPr/>
           <a:p>
-            <a:fld id="{C5106F65-11AC-4012-9F6A-EFB3E5ACDA0F}" type="slidenum">
+            <a:fld id="{C4E5BAA8-D724-465D-BE89-3E22797257B6}" type="slidenum">
               <a:t>&lt;#&gt;</a:t>
             </a:fld>
           </a:p>
@@ -831,7 +831,7 @@
         <p:txBody>
           <a:bodyPr/>
           <a:p>
-            <a:fld id="{DD36907F-E8D6-46CB-B12E-59193EF79B5C}" type="slidenum">
+            <a:fld id="{ADB03492-EA39-4FC8-8BBE-F67564B81F5B}" type="slidenum">
               <a:t>&lt;#&gt;</a:t>
             </a:fld>
           </a:p>
@@ -988,7 +988,7 @@
         <p:txBody>
           <a:bodyPr/>
           <a:p>
-            <a:fld id="{3F1FC839-559B-4C6D-9A23-808EFA692E5E}" type="slidenum">
+            <a:fld id="{FD0CE845-ED83-4222-AC9B-9DBBA70F079B}" type="slidenum">
               <a:t>&lt;#&gt;</a:t>
             </a:fld>
           </a:p>
@@ -1142,7 +1142,7 @@
         <p:txBody>
           <a:bodyPr/>
           <a:p>
-            <a:fld id="{D206A872-F00F-482C-8BE5-DB8A1D9A0482}" type="slidenum">
+            <a:fld id="{D425AF3E-6D95-4E5A-88AB-8712638DDB9C}" type="slidenum">
               <a:t>&lt;#&gt;</a:t>
             </a:fld>
           </a:p>
@@ -1330,7 +1330,7 @@
         <p:txBody>
           <a:bodyPr/>
           <a:p>
-            <a:fld id="{8ADE487F-D9D6-4C17-808B-147C5E3B62AF}" type="slidenum">
+            <a:fld id="{2E10067E-E067-47C6-9C55-8EC1DC6465D1}" type="slidenum">
               <a:t>&lt;#&gt;</a:t>
             </a:fld>
           </a:p>
@@ -1450,7 +1450,7 @@
         <p:txBody>
           <a:bodyPr/>
           <a:p>
-            <a:fld id="{6FC87382-557A-4D48-BFB0-123DD645F670}" type="slidenum">
+            <a:fld id="{F51FF4FA-498F-4ABF-ABF8-116D8525FC93}" type="slidenum">
               <a:t>&lt;#&gt;</a:t>
             </a:fld>
           </a:p>
@@ -1570,7 +1570,7 @@
         <p:txBody>
           <a:bodyPr/>
           <a:p>
-            <a:fld id="{058A094A-4665-445D-9068-1D886BF9C24E}" type="slidenum">
+            <a:fld id="{F9F3A148-F188-4346-8169-5F6C4960E22A}" type="slidenum">
               <a:t>&lt;#&gt;</a:t>
             </a:fld>
           </a:p>
@@ -1792,7 +1792,7 @@
         <p:txBody>
           <a:bodyPr/>
           <a:p>
-            <a:fld id="{C2172110-27B2-4883-B4E2-7633D48F323E}" type="slidenum">
+            <a:fld id="{51E7164C-86BF-4DE4-AA7B-5CFC6A2C0D98}" type="slidenum">
               <a:t>&lt;#&gt;</a:t>
             </a:fld>
           </a:p>
@@ -2014,7 +2014,7 @@
         <p:txBody>
           <a:bodyPr/>
           <a:p>
-            <a:fld id="{7E890F1E-2926-4FF7-851A-8EFC2D5796A8}" type="slidenum">
+            <a:fld id="{83902F23-BF79-42A6-90DF-8248828D66DD}" type="slidenum">
               <a:t>&lt;#&gt;</a:t>
             </a:fld>
           </a:p>
@@ -2236,7 +2236,7 @@
         <p:txBody>
           <a:bodyPr/>
           <a:p>
-            <a:fld id="{84D838E4-95ED-462E-ACFD-2029E6EA698F}" type="slidenum">
+            <a:fld id="{7F49E652-8090-4D5D-BB3B-F89508FC5CB6}" type="slidenum">
               <a:t>&lt;#&gt;</a:t>
             </a:fld>
           </a:p>
@@ -2306,7 +2306,7 @@
         <p:spPr>
           <a:xfrm>
             <a:off x="3029040" y="4767120"/>
-            <a:ext cx="3081960" cy="269640"/>
+            <a:ext cx="3084120" cy="271800"/>
           </a:xfrm>
           <a:prstGeom prst="rect">
             <a:avLst/>
@@ -2363,7 +2363,7 @@
         <p:spPr>
           <a:xfrm>
             <a:off x="6458040" y="4767120"/>
-            <a:ext cx="2053080" cy="269640"/>
+            <a:ext cx="2055240" cy="271800"/>
           </a:xfrm>
           <a:prstGeom prst="rect">
             <a:avLst/>
@@ -2398,14 +2398,14 @@
               </a:lnSpc>
               <a:buNone/>
             </a:pPr>
-            <a:fld id="{92592AC8-08D5-4F74-B032-11A848E6CEC0}" type="slidenum">
+            <a:fld id="{4255935A-0663-49B0-9354-D0F28488ED96}" type="slidenum">
               <a:rPr b="0" lang="en-US" sz="900" spc="-1" strike="noStrike">
                 <a:solidFill>
                   <a:srgbClr val="8b8b8b"/>
                 </a:solidFill>
                 <a:latin typeface="Calibri"/>
               </a:rPr>
-              <a:t>&lt;number&gt;</a:t>
+              <a:t>1</a:t>
             </a:fld>
             <a:endParaRPr b="0" lang="en-US" sz="900" spc="-1" strike="noStrike">
               <a:latin typeface="Times New Roman"/>
@@ -2426,7 +2426,7 @@
         <p:spPr>
           <a:xfrm>
             <a:off x="628560" y="4767120"/>
-            <a:ext cx="2053080" cy="269640"/>
+            <a:ext cx="2055240" cy="271800"/>
           </a:xfrm>
           <a:prstGeom prst="rect">
             <a:avLst/>
@@ -2736,7 +2736,7 @@
         <p:spPr>
           <a:xfrm>
             <a:off x="2258640" y="0"/>
-            <a:ext cx="7563600" cy="5139360"/>
+            <a:ext cx="7565760" cy="5141520"/>
           </a:xfrm>
           <a:prstGeom prst="rect">
             <a:avLst/>
@@ -2755,7 +2755,7 @@
         <p:spPr>
           <a:xfrm>
             <a:off x="460080" y="4667040"/>
-            <a:ext cx="2995200" cy="265680"/>
+            <a:ext cx="2997360" cy="267840"/>
           </a:xfrm>
           <a:prstGeom prst="rect">
             <a:avLst/>
@@ -2821,7 +2821,7 @@
         <p:spPr>
           <a:xfrm>
             <a:off x="2423160" y="4667760"/>
-            <a:ext cx="287280" cy="287280"/>
+            <a:ext cx="289440" cy="289440"/>
           </a:xfrm>
           <a:prstGeom prst="rect">
             <a:avLst/>
@@ -2840,7 +2840,7 @@
         <p:spPr>
           <a:xfrm>
             <a:off x="460080" y="1579320"/>
-            <a:ext cx="4671720" cy="2024280"/>
+            <a:ext cx="4673880" cy="2026440"/>
           </a:xfrm>
           <a:prstGeom prst="rect">
             <a:avLst/>
